--- a/Probability.pptx
+++ b/Probability.pptx
@@ -134,6 +134,11 @@
       </a:defRPr>
     </a:lvl9pPr>
   </p:defaultTextStyle>
+  <p:extLst>
+    <p:ext uri="{EFAFB233-063F-42B5-8137-9DF3F51BA10A}">
+      <p15:sldGuideLst xmlns:p15="http://schemas.microsoft.com/office/powerpoint/2012/main"/>
+    </p:ext>
+  </p:extLst>
 </p:presentation>
 </file>
 
@@ -756,7 +761,7 @@
           <a:p>
             <a:fld id="{48A87A34-81AB-432B-8DAE-1953F412C126}" type="datetimeFigureOut">
               <a:rPr lang="en-US" smtClean="0"/>
-              <a:t>10/14/20</a:t>
+              <a:t>10/15/20</a:t>
             </a:fld>
             <a:endParaRPr lang="en-US" dirty="0"/>
           </a:p>
@@ -1031,7 +1036,7 @@
           <a:p>
             <a:fld id="{48A87A34-81AB-432B-8DAE-1953F412C126}" type="datetimeFigureOut">
               <a:rPr lang="en-US" smtClean="0"/>
-              <a:t>10/14/20</a:t>
+              <a:t>10/15/20</a:t>
             </a:fld>
             <a:endParaRPr lang="en-US" dirty="0"/>
           </a:p>
@@ -1226,7 +1231,7 @@
             <a:fld id="{48A87A34-81AB-432B-8DAE-1953F412C126}" type="datetimeFigureOut">
               <a:rPr lang="en-US" smtClean="0"/>
               <a:pPr/>
-              <a:t>10/14/20</a:t>
+              <a:t>10/15/20</a:t>
             </a:fld>
             <a:endParaRPr lang="en-US" dirty="0"/>
           </a:p>
@@ -1501,7 +1506,7 @@
             <a:fld id="{48A87A34-81AB-432B-8DAE-1953F412C126}" type="datetimeFigureOut">
               <a:rPr lang="en-US" smtClean="0"/>
               <a:pPr/>
-              <a:t>10/14/20</a:t>
+              <a:t>10/15/20</a:t>
             </a:fld>
             <a:endParaRPr lang="en-US" dirty="0"/>
           </a:p>
@@ -1844,7 +1849,7 @@
             <a:fld id="{48A87A34-81AB-432B-8DAE-1953F412C126}" type="datetimeFigureOut">
               <a:rPr lang="en-US" smtClean="0"/>
               <a:pPr/>
-              <a:t>10/14/20</a:t>
+              <a:t>10/15/20</a:t>
             </a:fld>
             <a:endParaRPr lang="en-US" dirty="0"/>
           </a:p>
@@ -2469,7 +2474,7 @@
             <a:fld id="{48A87A34-81AB-432B-8DAE-1953F412C126}" type="datetimeFigureOut">
               <a:rPr lang="en-US" smtClean="0"/>
               <a:pPr/>
-              <a:t>10/14/20</a:t>
+              <a:t>10/15/20</a:t>
             </a:fld>
             <a:endParaRPr lang="en-US" dirty="0"/>
           </a:p>
@@ -3331,7 +3336,7 @@
             <a:fld id="{48A87A34-81AB-432B-8DAE-1953F412C126}" type="datetimeFigureOut">
               <a:rPr lang="en-US" smtClean="0"/>
               <a:pPr/>
-              <a:t>10/14/20</a:t>
+              <a:t>10/15/20</a:t>
             </a:fld>
             <a:endParaRPr lang="en-US" dirty="0"/>
           </a:p>
@@ -3502,7 +3507,7 @@
           <a:p>
             <a:fld id="{48A87A34-81AB-432B-8DAE-1953F412C126}" type="datetimeFigureOut">
               <a:rPr lang="en-US" smtClean="0"/>
-              <a:t>10/14/20</a:t>
+              <a:t>10/15/20</a:t>
             </a:fld>
             <a:endParaRPr lang="en-US" dirty="0"/>
           </a:p>
@@ -3682,7 +3687,7 @@
           <a:p>
             <a:fld id="{48A87A34-81AB-432B-8DAE-1953F412C126}" type="datetimeFigureOut">
               <a:rPr lang="en-US" smtClean="0"/>
-              <a:t>10/14/20</a:t>
+              <a:t>10/15/20</a:t>
             </a:fld>
             <a:endParaRPr lang="en-US" dirty="0"/>
           </a:p>
@@ -3852,7 +3857,7 @@
           <a:p>
             <a:fld id="{48A87A34-81AB-432B-8DAE-1953F412C126}" type="datetimeFigureOut">
               <a:rPr lang="en-US" smtClean="0"/>
-              <a:t>10/14/20</a:t>
+              <a:t>10/15/20</a:t>
             </a:fld>
             <a:endParaRPr lang="en-US" dirty="0"/>
           </a:p>
@@ -4099,7 +4104,7 @@
           <a:p>
             <a:fld id="{48A87A34-81AB-432B-8DAE-1953F412C126}" type="datetimeFigureOut">
               <a:rPr lang="en-US" smtClean="0"/>
-              <a:t>10/14/20</a:t>
+              <a:t>10/15/20</a:t>
             </a:fld>
             <a:endParaRPr lang="en-US" dirty="0"/>
           </a:p>
@@ -4391,7 +4396,7 @@
           <a:p>
             <a:fld id="{48A87A34-81AB-432B-8DAE-1953F412C126}" type="datetimeFigureOut">
               <a:rPr lang="en-US" smtClean="0"/>
-              <a:t>10/14/20</a:t>
+              <a:t>10/15/20</a:t>
             </a:fld>
             <a:endParaRPr lang="en-US" dirty="0"/>
           </a:p>
@@ -4835,7 +4840,7 @@
           <a:p>
             <a:fld id="{48A87A34-81AB-432B-8DAE-1953F412C126}" type="datetimeFigureOut">
               <a:rPr lang="en-US" smtClean="0"/>
-              <a:t>10/14/20</a:t>
+              <a:t>10/15/20</a:t>
             </a:fld>
             <a:endParaRPr lang="en-US" dirty="0"/>
           </a:p>
@@ -4953,7 +4958,7 @@
           <a:p>
             <a:fld id="{48A87A34-81AB-432B-8DAE-1953F412C126}" type="datetimeFigureOut">
               <a:rPr lang="en-US" smtClean="0"/>
-              <a:t>10/14/20</a:t>
+              <a:t>10/15/20</a:t>
             </a:fld>
             <a:endParaRPr lang="en-US" dirty="0"/>
           </a:p>
@@ -5048,7 +5053,7 @@
           <a:p>
             <a:fld id="{48A87A34-81AB-432B-8DAE-1953F412C126}" type="datetimeFigureOut">
               <a:rPr lang="en-US" smtClean="0"/>
-              <a:t>10/14/20</a:t>
+              <a:t>10/15/20</a:t>
             </a:fld>
             <a:endParaRPr lang="en-US" dirty="0"/>
           </a:p>
@@ -5327,7 +5332,7 @@
           <a:p>
             <a:fld id="{48A87A34-81AB-432B-8DAE-1953F412C126}" type="datetimeFigureOut">
               <a:rPr lang="en-US" smtClean="0"/>
-              <a:t>10/14/20</a:t>
+              <a:t>10/15/20</a:t>
             </a:fld>
             <a:endParaRPr lang="en-US" dirty="0"/>
           </a:p>
@@ -5602,7 +5607,7 @@
           <a:p>
             <a:fld id="{48A87A34-81AB-432B-8DAE-1953F412C126}" type="datetimeFigureOut">
               <a:rPr lang="en-US" smtClean="0"/>
-              <a:t>10/14/20</a:t>
+              <a:t>10/15/20</a:t>
             </a:fld>
             <a:endParaRPr lang="en-US" dirty="0"/>
           </a:p>
@@ -6032,7 +6037,7 @@
             <a:fld id="{48A87A34-81AB-432B-8DAE-1953F412C126}" type="datetimeFigureOut">
               <a:rPr lang="en-US" smtClean="0"/>
               <a:pPr/>
-              <a:t>10/14/20</a:t>
+              <a:t>10/15/20</a:t>
             </a:fld>
             <a:endParaRPr lang="en-US" dirty="0"/>
           </a:p>
@@ -18144,7 +18149,15 @@
           <a:p>
             <a:r>
               <a:rPr lang="en-GB" dirty="0"/>
-              <a:t>If I roll a dice 600 times, what’s the probability of getting a 6?</a:t>
+              <a:t>If I roll </a:t>
+            </a:r>
+            <a:r>
+              <a:rPr lang="en-GB"/>
+              <a:t>a die </a:t>
+            </a:r>
+            <a:r>
+              <a:rPr lang="en-GB" dirty="0"/>
+              <a:t>600 times, what’s the probability of getting a 6?</a:t>
             </a:r>
           </a:p>
           <a:p>
